--- a/inna/Занятие7/Занятие 7.pptx
+++ b/inna/Занятие7/Занятие 7.pptx
@@ -116,7 +116,7 @@
   </p:defaultTextStyle>
   <p:extLst>
     <p:ext uri="{EFAFB233-063F-42B5-8137-9DF3F51BA10A}">
-      <p15:sldGuideLst xmlns="" xmlns:p15="http://schemas.microsoft.com/office/powerpoint/2012/main">
+      <p15:sldGuideLst xmlns:p15="http://schemas.microsoft.com/office/powerpoint/2012/main" xmlns="">
         <p15:guide id="1" orient="horz" pos="2160">
           <p15:clr>
             <a:srgbClr val="A4A3A4"/>
@@ -216,7 +216,7 @@
             <a:fld id="{7FCDCAFE-ED6D-40DE-BB2A-6C2FAE0E1B23}" type="datetimeFigureOut">
               <a:rPr lang="en-US" smtClean="0"/>
               <a:pPr/>
-              <a:t>02-Feb-15</a:t>
+              <a:t>05-Feb-15</a:t>
             </a:fld>
             <a:endParaRPr lang="en-US"/>
           </a:p>
@@ -385,7 +385,7 @@
     </p:spTree>
     <p:extLst>
       <p:ext uri="{BB962C8B-B14F-4D97-AF65-F5344CB8AC3E}">
-        <p14:creationId xmlns="" xmlns:p14="http://schemas.microsoft.com/office/powerpoint/2010/main" val="616035265"/>
+        <p14:creationId xmlns:p14="http://schemas.microsoft.com/office/powerpoint/2010/main" xmlns="" val="616035265"/>
       </p:ext>
     </p:extLst>
   </p:cSld>
@@ -3078,8 +3078,12 @@
           </a:p>
           <a:p>
             <a:r>
-              <a:rPr lang="ru-RU" baseline="0" dirty="0" smtClean="0"/>
-              <a:t>10) Запустить тест </a:t>
+              <a:rPr lang="ru-RU" baseline="0" smtClean="0"/>
+              <a:t>14) </a:t>
+            </a:r>
+            <a:r>
+              <a:rPr lang="ru-RU" baseline="0" dirty="0" smtClean="0"/>
+              <a:t>Запустить тест </a:t>
             </a:r>
             <a:r>
               <a:rPr lang="en-US" baseline="0" dirty="0" smtClean="0"/>
@@ -3623,7 +3627,7 @@
             <a:fld id="{1D8BD707-D9CF-40AE-B4C6-C98DA3205C09}" type="datetimeFigureOut">
               <a:rPr lang="en-US" smtClean="0"/>
               <a:pPr/>
-              <a:t>02-Feb-15</a:t>
+              <a:t>05-Feb-15</a:t>
             </a:fld>
             <a:endParaRPr lang="en-US"/>
           </a:p>
@@ -3790,7 +3794,7 @@
             <a:fld id="{1D8BD707-D9CF-40AE-B4C6-C98DA3205C09}" type="datetimeFigureOut">
               <a:rPr lang="en-US" smtClean="0"/>
               <a:pPr/>
-              <a:t>02-Feb-15</a:t>
+              <a:t>05-Feb-15</a:t>
             </a:fld>
             <a:endParaRPr lang="en-US"/>
           </a:p>
@@ -3967,7 +3971,7 @@
             <a:fld id="{1D8BD707-D9CF-40AE-B4C6-C98DA3205C09}" type="datetimeFigureOut">
               <a:rPr lang="en-US" smtClean="0"/>
               <a:pPr/>
-              <a:t>02-Feb-15</a:t>
+              <a:t>05-Feb-15</a:t>
             </a:fld>
             <a:endParaRPr lang="en-US"/>
           </a:p>
@@ -4134,7 +4138,7 @@
             <a:fld id="{1D8BD707-D9CF-40AE-B4C6-C98DA3205C09}" type="datetimeFigureOut">
               <a:rPr lang="en-US" smtClean="0"/>
               <a:pPr/>
-              <a:t>02-Feb-15</a:t>
+              <a:t>05-Feb-15</a:t>
             </a:fld>
             <a:endParaRPr lang="en-US"/>
           </a:p>
@@ -4377,7 +4381,7 @@
             <a:fld id="{1D8BD707-D9CF-40AE-B4C6-C98DA3205C09}" type="datetimeFigureOut">
               <a:rPr lang="en-US" smtClean="0"/>
               <a:pPr/>
-              <a:t>02-Feb-15</a:t>
+              <a:t>05-Feb-15</a:t>
             </a:fld>
             <a:endParaRPr lang="en-US"/>
           </a:p>
@@ -4662,7 +4666,7 @@
             <a:fld id="{1D8BD707-D9CF-40AE-B4C6-C98DA3205C09}" type="datetimeFigureOut">
               <a:rPr lang="en-US" smtClean="0"/>
               <a:pPr/>
-              <a:t>02-Feb-15</a:t>
+              <a:t>05-Feb-15</a:t>
             </a:fld>
             <a:endParaRPr lang="en-US"/>
           </a:p>
@@ -5081,7 +5085,7 @@
             <a:fld id="{1D8BD707-D9CF-40AE-B4C6-C98DA3205C09}" type="datetimeFigureOut">
               <a:rPr lang="en-US" smtClean="0"/>
               <a:pPr/>
-              <a:t>02-Feb-15</a:t>
+              <a:t>05-Feb-15</a:t>
             </a:fld>
             <a:endParaRPr lang="en-US"/>
           </a:p>
@@ -5196,7 +5200,7 @@
             <a:fld id="{1D8BD707-D9CF-40AE-B4C6-C98DA3205C09}" type="datetimeFigureOut">
               <a:rPr lang="en-US" smtClean="0"/>
               <a:pPr/>
-              <a:t>02-Feb-15</a:t>
+              <a:t>05-Feb-15</a:t>
             </a:fld>
             <a:endParaRPr lang="en-US"/>
           </a:p>
@@ -5288,7 +5292,7 @@
             <a:fld id="{1D8BD707-D9CF-40AE-B4C6-C98DA3205C09}" type="datetimeFigureOut">
               <a:rPr lang="en-US" smtClean="0"/>
               <a:pPr/>
-              <a:t>02-Feb-15</a:t>
+              <a:t>05-Feb-15</a:t>
             </a:fld>
             <a:endParaRPr lang="en-US"/>
           </a:p>
@@ -5562,7 +5566,7 @@
             <a:fld id="{1D8BD707-D9CF-40AE-B4C6-C98DA3205C09}" type="datetimeFigureOut">
               <a:rPr lang="en-US" smtClean="0"/>
               <a:pPr/>
-              <a:t>02-Feb-15</a:t>
+              <a:t>05-Feb-15</a:t>
             </a:fld>
             <a:endParaRPr lang="en-US"/>
           </a:p>
@@ -5812,7 +5816,7 @@
             <a:fld id="{1D8BD707-D9CF-40AE-B4C6-C98DA3205C09}" type="datetimeFigureOut">
               <a:rPr lang="en-US" smtClean="0"/>
               <a:pPr/>
-              <a:t>02-Feb-15</a:t>
+              <a:t>05-Feb-15</a:t>
             </a:fld>
             <a:endParaRPr lang="en-US"/>
           </a:p>
@@ -6031,7 +6035,7 @@
             <a:fld id="{1D8BD707-D9CF-40AE-B4C6-C98DA3205C09}" type="datetimeFigureOut">
               <a:rPr lang="en-US" smtClean="0"/>
               <a:pPr/>
-              <a:t>02-Feb-15</a:t>
+              <a:t>05-Feb-15</a:t>
             </a:fld>
             <a:endParaRPr lang="en-US"/>
           </a:p>
@@ -6499,25 +6503,7 @@
                   </a:outerShdw>
                 </a:effectLst>
               </a:rPr>
-              <a:t>Writing UI tests</a:t>
-            </a:r>
-            <a:r>
-              <a:rPr lang="en-US" sz="3500" dirty="0" smtClean="0">
-                <a:solidFill>
-                  <a:schemeClr val="tx1">
-                    <a:lumMod val="65000"/>
-                    <a:lumOff val="35000"/>
-                  </a:schemeClr>
-                </a:solidFill>
-                <a:effectLst>
-                  <a:outerShdw blurRad="38100" dist="38100" dir="2700000" algn="tl">
-                    <a:srgbClr val="000000">
-                      <a:alpha val="43137"/>
-                    </a:srgbClr>
-                  </a:outerShdw>
-                </a:effectLst>
-              </a:rPr>
-              <a:t> </a:t>
+              <a:t>Writing UI tests </a:t>
             </a:r>
             <a:endParaRPr lang="en-US" sz="3500" dirty="0">
               <a:solidFill>
@@ -6540,7 +6526,7 @@
     </p:spTree>
     <p:extLst>
       <p:ext uri="{BB962C8B-B14F-4D97-AF65-F5344CB8AC3E}">
-        <p14:creationId xmlns="" xmlns:p14="http://schemas.microsoft.com/office/powerpoint/2010/main" val="1766645597"/>
+        <p14:creationId xmlns:p14="http://schemas.microsoft.com/office/powerpoint/2010/main" xmlns="" val="1766645597"/>
       </p:ext>
     </p:extLst>
   </p:cSld>
@@ -6644,11 +6630,7 @@
             </a:pPr>
             <a:r>
               <a:rPr lang="en-US" sz="2000" i="1" dirty="0" smtClean="0"/>
-              <a:t>What commonly used experience-based technique do you know</a:t>
-            </a:r>
-            <a:r>
-              <a:rPr lang="en-US" sz="2000" i="1" dirty="0" smtClean="0"/>
-              <a:t>?</a:t>
+              <a:t>What commonly used experience-based technique do you know?</a:t>
             </a:r>
           </a:p>
           <a:p>
@@ -6665,15 +6647,7 @@
             </a:pPr>
             <a:r>
               <a:rPr lang="en-US" sz="2000" i="1" dirty="0" smtClean="0"/>
-              <a:t>What </a:t>
-            </a:r>
-            <a:r>
-              <a:rPr lang="en-US" sz="2000" i="1" dirty="0" smtClean="0"/>
-              <a:t>is structured approach to the error guessing </a:t>
-            </a:r>
-            <a:r>
-              <a:rPr lang="en-US" sz="2000" i="1" dirty="0" smtClean="0"/>
-              <a:t>technique? </a:t>
+              <a:t>What is structured approach to the error guessing technique? </a:t>
             </a:r>
           </a:p>
           <a:p>
@@ -6726,14 +6700,13 @@
               <a:rPr lang="en-US" sz="2000" i="1" dirty="0" smtClean="0"/>
               <a:t>List all terms that are used in Version Control systems</a:t>
             </a:r>
-            <a:endParaRPr lang="en-US" sz="2000" i="1" dirty="0" smtClean="0"/>
           </a:p>
         </p:txBody>
       </p:sp>
     </p:spTree>
     <p:extLst>
       <p:ext uri="{BB962C8B-B14F-4D97-AF65-F5344CB8AC3E}">
-        <p14:creationId xmlns="" xmlns:p14="http://schemas.microsoft.com/office/powerpoint/2010/main" val="3292176594"/>
+        <p14:creationId xmlns:p14="http://schemas.microsoft.com/office/powerpoint/2010/main" xmlns="" val="3292176594"/>
       </p:ext>
     </p:extLst>
   </p:cSld>
@@ -6927,15 +6900,7 @@
           <a:p>
             <a:r>
               <a:rPr lang="en-US" b="1" u="sng" dirty="0" smtClean="0"/>
-              <a:t>API (</a:t>
-            </a:r>
-            <a:r>
-              <a:rPr lang="en-US" b="1" u="sng" dirty="0" smtClean="0"/>
-              <a:t>application programming interface</a:t>
-            </a:r>
-            <a:r>
-              <a:rPr lang="en-US" b="1" u="sng" dirty="0" smtClean="0"/>
-              <a:t>)</a:t>
+              <a:t>API (application programming interface)</a:t>
             </a:r>
             <a:r>
               <a:rPr lang="en-US" u="sng" dirty="0" smtClean="0"/>
@@ -6943,11 +6908,7 @@
             </a:r>
             <a:r>
               <a:rPr lang="en-US" dirty="0" smtClean="0"/>
-              <a:t>is a set of routines, protocols, and tools for building software applications</a:t>
-            </a:r>
-            <a:r>
-              <a:rPr lang="en-US" dirty="0" smtClean="0"/>
-              <a:t>.</a:t>
+              <a:t>is a set of routines, protocols, and tools for building software applications.</a:t>
             </a:r>
           </a:p>
           <a:p>
@@ -6971,24 +6932,16 @@
           <a:p>
             <a:r>
               <a:rPr lang="en-US" dirty="0" smtClean="0"/>
-              <a:t>An </a:t>
-            </a:r>
+              <a:t>An API can be developed for a restricted group of users, or it can be released to the public.</a:t>
+            </a:r>
+          </a:p>
+          <a:p>
+            <a:endParaRPr lang="en-US" dirty="0" smtClean="0"/>
+          </a:p>
+          <a:p>
             <a:r>
               <a:rPr lang="en-US" dirty="0" smtClean="0"/>
-              <a:t>API can be developed for a restricted group of users, or it can be released to the public.</a:t>
-            </a:r>
-          </a:p>
-          <a:p>
-            <a:endParaRPr lang="en-US" dirty="0" smtClean="0"/>
-          </a:p>
-          <a:p>
-            <a:r>
-              <a:rPr lang="en-US" dirty="0" smtClean="0"/>
-              <a:t>An </a:t>
-            </a:r>
-            <a:r>
-              <a:rPr lang="en-US" dirty="0" smtClean="0"/>
-              <a:t>important factor when an API becomes public is its </a:t>
+              <a:t>An important factor when an API becomes public is its </a:t>
             </a:r>
             <a:r>
               <a:rPr lang="en-US" b="1" u="sng" dirty="0" smtClean="0"/>
@@ -7007,7 +6960,7 @@
     </p:spTree>
     <p:extLst>
       <p:ext uri="{BB962C8B-B14F-4D97-AF65-F5344CB8AC3E}">
-        <p14:creationId xmlns="" xmlns:p14="http://schemas.microsoft.com/office/powerpoint/2010/main" val="4060775951"/>
+        <p14:creationId xmlns:p14="http://schemas.microsoft.com/office/powerpoint/2010/main" xmlns="" val="4060775951"/>
       </p:ext>
     </p:extLst>
   </p:cSld>
@@ -7015,7 +6968,7 @@
     <a:masterClrMapping/>
   </p:clrMapOvr>
   <mc:AlternateContent xmlns:mc="http://schemas.openxmlformats.org/markup-compatibility/2006">
-    <mc:Choice xmlns="" xmlns:p14="http://schemas.microsoft.com/office/powerpoint/2010/main" Requires="p14">
+    <mc:Choice xmlns:p14="http://schemas.microsoft.com/office/powerpoint/2010/main" xmlns="" Requires="p14">
       <p:transition spd="slow" p14:dur="2000"/>
     </mc:Choice>
     <mc:Fallback>
@@ -7190,15 +7143,7 @@
             </a:pPr>
             <a:r>
               <a:rPr lang="en-US" sz="1600" dirty="0" smtClean="0"/>
-              <a:t>Whether a framework supports </a:t>
-            </a:r>
-            <a:r>
-              <a:rPr lang="en-US" sz="1600" dirty="0" smtClean="0"/>
-              <a:t>data generators. Data generators generate input data for a test and the test is run for each input data that the generator </a:t>
-            </a:r>
-            <a:r>
-              <a:rPr lang="en-US" sz="1600" dirty="0" smtClean="0"/>
-              <a:t>produces</a:t>
+              <a:t>Whether a framework supports data generators. Data generators generate input data for a test and the test is run for each input data that the generator produces</a:t>
             </a:r>
           </a:p>
           <a:p>
@@ -7254,15 +7199,7 @@
             <a:pPr lvl="1"/>
             <a:r>
               <a:rPr lang="en-US" sz="1600" dirty="0" smtClean="0"/>
-              <a:t>The list </a:t>
-            </a:r>
-            <a:r>
-              <a:rPr lang="en-US" sz="1600" dirty="0" smtClean="0"/>
-              <a:t>isn’t </a:t>
-            </a:r>
-            <a:r>
-              <a:rPr lang="en-US" sz="1600" dirty="0" smtClean="0"/>
-              <a:t>exhaustive</a:t>
+              <a:t>The list isn’t exhaustive</a:t>
             </a:r>
             <a:r>
               <a:rPr lang="ru-RU" sz="1600" dirty="0" smtClean="0"/>
@@ -7275,7 +7212,7 @@
     </p:spTree>
     <p:extLst>
       <p:ext uri="{BB962C8B-B14F-4D97-AF65-F5344CB8AC3E}">
-        <p14:creationId xmlns="" xmlns:p14="http://schemas.microsoft.com/office/powerpoint/2010/main" val="4060775951"/>
+        <p14:creationId xmlns:p14="http://schemas.microsoft.com/office/powerpoint/2010/main" xmlns="" val="4060775951"/>
       </p:ext>
     </p:extLst>
   </p:cSld>
@@ -7283,7 +7220,7 @@
     <a:masterClrMapping/>
   </p:clrMapOvr>
   <mc:AlternateContent xmlns:mc="http://schemas.openxmlformats.org/markup-compatibility/2006">
-    <mc:Choice xmlns="" xmlns:p14="http://schemas.microsoft.com/office/powerpoint/2010/main" Requires="p14">
+    <mc:Choice xmlns:p14="http://schemas.microsoft.com/office/powerpoint/2010/main" xmlns="" Requires="p14">
       <p:transition spd="slow" p14:dur="2000"/>
     </mc:Choice>
     <mc:Fallback>
@@ -7442,11 +7379,7 @@
             </a:r>
             <a:r>
               <a:rPr lang="en-US" i="1" dirty="0" smtClean="0"/>
-              <a:t>, double balance</a:t>
-            </a:r>
-            <a:r>
-              <a:rPr lang="en-US" i="1" dirty="0" smtClean="0"/>
-              <a:t>)</a:t>
+              <a:t>, double balance)</a:t>
             </a:r>
           </a:p>
           <a:p>
@@ -7463,23 +7396,11 @@
             </a:pPr>
             <a:r>
               <a:rPr lang="en-US" i="1" dirty="0" smtClean="0"/>
-              <a:t>public void Credit(double amount</a:t>
-            </a:r>
-            <a:r>
-              <a:rPr lang="en-US" i="1" dirty="0" smtClean="0"/>
-              <a:t>)</a:t>
+              <a:t>public void Credit(double amount)</a:t>
             </a:r>
             <a:r>
               <a:rPr lang="en-US" dirty="0" smtClean="0"/>
-              <a:t> method </a:t>
-            </a:r>
-            <a:r>
-              <a:rPr lang="en-US" dirty="0" smtClean="0"/>
-              <a:t>that </a:t>
-            </a:r>
-            <a:r>
-              <a:rPr lang="en-US" dirty="0" smtClean="0"/>
-              <a:t>increases a customer balance and adds an amount value to it</a:t>
+              <a:t> method that increases a customer balance and adds an amount value to it</a:t>
             </a:r>
           </a:p>
           <a:p>
@@ -7496,19 +7417,11 @@
             </a:pPr>
             <a:r>
               <a:rPr lang="en-US" i="1" dirty="0" smtClean="0"/>
-              <a:t>public void Debit(double amount</a:t>
-            </a:r>
-            <a:r>
-              <a:rPr lang="en-US" i="1" dirty="0" smtClean="0"/>
-              <a:t>) </a:t>
+              <a:t>public void Debit(double amount) </a:t>
             </a:r>
             <a:r>
               <a:rPr lang="en-US" dirty="0" smtClean="0"/>
-              <a:t>method that </a:t>
-            </a:r>
-            <a:r>
-              <a:rPr lang="en-US" dirty="0" smtClean="0"/>
-              <a:t>subtract</a:t>
+              <a:t>method that subtract</a:t>
             </a:r>
             <a:r>
               <a:rPr lang="ru-RU" dirty="0" smtClean="0"/>
@@ -7569,14 +7482,13 @@
               <a:rPr lang="en-US" dirty="0" smtClean="0"/>
               <a:t>It is impossible to perform Debit and Credit operations is amount&lt;0</a:t>
             </a:r>
-            <a:endParaRPr lang="en-US" dirty="0" smtClean="0"/>
           </a:p>
         </p:txBody>
       </p:sp>
     </p:spTree>
     <p:extLst>
       <p:ext uri="{BB962C8B-B14F-4D97-AF65-F5344CB8AC3E}">
-        <p14:creationId xmlns="" xmlns:p14="http://schemas.microsoft.com/office/powerpoint/2010/main" val="4060775951"/>
+        <p14:creationId xmlns:p14="http://schemas.microsoft.com/office/powerpoint/2010/main" xmlns="" val="4060775951"/>
       </p:ext>
     </p:extLst>
   </p:cSld>
@@ -7584,7 +7496,7 @@
     <a:masterClrMapping/>
   </p:clrMapOvr>
   <mc:AlternateContent xmlns:mc="http://schemas.openxmlformats.org/markup-compatibility/2006">
-    <mc:Choice xmlns="" xmlns:p14="http://schemas.microsoft.com/office/powerpoint/2010/main" Requires="p14">
+    <mc:Choice xmlns:p14="http://schemas.microsoft.com/office/powerpoint/2010/main" xmlns="" Requires="p14">
       <p:transition spd="slow" p14:dur="2000"/>
     </mc:Choice>
     <mc:Fallback>
@@ -7656,43 +7568,7 @@
                   </a:outerShdw>
                 </a:effectLst>
               </a:rPr>
-              <a:t>U</a:t>
-            </a:r>
-            <a:r>
-              <a:rPr lang="en-US" sz="3500" dirty="0" smtClean="0">
-                <a:solidFill>
-                  <a:schemeClr val="tx1">
-                    <a:lumMod val="65000"/>
-                    <a:lumOff val="35000"/>
-                  </a:schemeClr>
-                </a:solidFill>
-                <a:effectLst>
-                  <a:outerShdw blurRad="38100" dist="38100" dir="2700000" algn="tl">
-                    <a:srgbClr val="000000">
-                      <a:alpha val="43137"/>
-                    </a:srgbClr>
-                  </a:outerShdw>
-                </a:effectLst>
-              </a:rPr>
-              <a:t>I</a:t>
-            </a:r>
-            <a:r>
-              <a:rPr lang="en-US" sz="3500" dirty="0" smtClean="0">
-                <a:solidFill>
-                  <a:schemeClr val="tx1">
-                    <a:lumMod val="65000"/>
-                    <a:lumOff val="35000"/>
-                  </a:schemeClr>
-                </a:solidFill>
-                <a:effectLst>
-                  <a:outerShdw blurRad="38100" dist="38100" dir="2700000" algn="tl">
-                    <a:srgbClr val="000000">
-                      <a:alpha val="43137"/>
-                    </a:srgbClr>
-                  </a:outerShdw>
-                </a:effectLst>
-              </a:rPr>
-              <a:t> Testing Frameworks</a:t>
+              <a:t>UI Testing Frameworks</a:t>
             </a:r>
             <a:endParaRPr lang="en-US" sz="3500" dirty="0">
               <a:solidFill>
@@ -7741,15 +7617,7 @@
           <a:p>
             <a:r>
               <a:rPr lang="en-US" sz="1400" b="1" u="sng" dirty="0" smtClean="0"/>
-              <a:t>The </a:t>
-            </a:r>
-            <a:r>
-              <a:rPr lang="en-US" sz="1400" b="1" u="sng" dirty="0" smtClean="0"/>
-              <a:t>evolution of test automation </a:t>
-            </a:r>
-            <a:r>
-              <a:rPr lang="en-US" sz="1400" b="1" u="sng" dirty="0" smtClean="0"/>
-              <a:t>frameworks</a:t>
+              <a:t>The evolution of test automation frameworks</a:t>
             </a:r>
             <a:r>
               <a:rPr lang="en-US" sz="1400" dirty="0" smtClean="0"/>
@@ -7766,11 +7634,7 @@
             </a:pPr>
             <a:r>
               <a:rPr lang="en-US" sz="1200" b="1" dirty="0" smtClean="0"/>
-              <a:t>Record and </a:t>
-            </a:r>
-            <a:r>
-              <a:rPr lang="en-US" sz="1200" b="1" dirty="0" smtClean="0"/>
-              <a:t>Playback</a:t>
+              <a:t>Record and Playback</a:t>
             </a:r>
             <a:endParaRPr lang="ru-RU" sz="1200" b="1" dirty="0" smtClean="0"/>
           </a:p>
@@ -7778,11 +7642,7 @@
             <a:pPr lvl="1"/>
             <a:r>
               <a:rPr lang="en-US" sz="1200" dirty="0" smtClean="0"/>
-              <a:t>Even though this involves either no or minimal code writing, manageability of automation code makes Record/Playback only viable on small scale. The fundamental problem of this approach is literally the problem of scale. If we want another automated test, we’ll record another script which eventually results in two scripts to be maintained as the AUT’s interface has changed with time. The more tests we record, the more automation code needs to be maintained – which will become too much of a burden on testing budget. In record and playback each automated test case is a sequence of actions with test data hard coded in to it</a:t>
-            </a:r>
-            <a:r>
-              <a:rPr lang="en-US" sz="1200" dirty="0" smtClean="0"/>
-              <a:t>.</a:t>
+              <a:t>Even though this involves either no or minimal code writing, manageability of automation code makes Record/Playback only viable on small scale. The fundamental problem of this approach is literally the problem of scale. If we want another automated test, we’ll record another script which eventually results in two scripts to be maintained as the AUT’s interface has changed with time. The more tests we record, the more automation code needs to be maintained – which will become too much of a burden on testing budget. In record and playback each automated test case is a sequence of actions with test data hard coded in to it.</a:t>
             </a:r>
           </a:p>
           <a:p>
@@ -7792,11 +7652,7 @@
             </a:pPr>
             <a:r>
               <a:rPr lang="en-US" sz="1200" b="1" dirty="0" smtClean="0"/>
-              <a:t>Data </a:t>
-            </a:r>
-            <a:r>
-              <a:rPr lang="en-US" sz="1200" b="1" dirty="0" smtClean="0"/>
-              <a:t>Driven</a:t>
+              <a:t>Data Driven</a:t>
             </a:r>
             <a:endParaRPr lang="ru-RU" sz="1200" b="1" dirty="0" smtClean="0"/>
           </a:p>
@@ -7804,11 +7660,7 @@
             <a:pPr lvl="1"/>
             <a:r>
               <a:rPr lang="en-US" sz="1200" dirty="0" smtClean="0"/>
-              <a:t>In comparison to Record and Playback, Data Driven framework addresses two major pain points: maintainability and test coverage. Test data is stored in a separate file which is read by the script to be used as input to AUT. Each script is programmed and maintained by test specialists but can be used repeatedly with different data sets to increase the test coverage. This also imparts confidence into the reliability of the script. But, testing is not about just inputting data. It is about simulating real life business scenarios to test the AUT thoroughly</a:t>
-            </a:r>
-            <a:r>
-              <a:rPr lang="en-US" sz="1200" dirty="0" smtClean="0"/>
-              <a:t>.</a:t>
+              <a:t>In comparison to Record and Playback, Data Driven framework addresses two major pain points: maintainability and test coverage. Test data is stored in a separate file which is read by the script to be used as input to AUT. Each script is programmed and maintained by test specialists but can be used repeatedly with different data sets to increase the test coverage. This also imparts confidence into the reliability of the script. But, testing is not about just inputting data. It is about simulating real life business scenarios to test the AUT thoroughly.</a:t>
             </a:r>
           </a:p>
           <a:p>
@@ -7818,11 +7670,7 @@
             </a:pPr>
             <a:r>
               <a:rPr lang="en-US" sz="1200" b="1" dirty="0" smtClean="0"/>
-              <a:t>Keyword </a:t>
-            </a:r>
-            <a:r>
-              <a:rPr lang="en-US" sz="1200" b="1" dirty="0" smtClean="0"/>
-              <a:t>Driven</a:t>
+              <a:t>Keyword Driven</a:t>
             </a:r>
             <a:endParaRPr lang="ru-RU" sz="1200" b="1" dirty="0" smtClean="0"/>
           </a:p>
@@ -7830,11 +7678,7 @@
             <a:pPr lvl="1"/>
             <a:r>
               <a:rPr lang="en-US" sz="1200" dirty="0" smtClean="0"/>
-              <a:t>This takes test automation to the next level. It is not the script now that directs testing but it is the test data itself. The test data with use of keywords sequences out the actions to be followed. When the automated test case runs, it will read through the test data and call for the relevant script specified by the keyword, passing AUT the data for that line</a:t>
-            </a:r>
-            <a:r>
-              <a:rPr lang="en-US" sz="1200" dirty="0" smtClean="0"/>
-              <a:t>.</a:t>
+              <a:t>This takes test automation to the next level. It is not the script now that directs testing but it is the test data itself. The test data with use of keywords sequences out the actions to be followed. When the automated test case runs, it will read through the test data and call for the relevant script specified by the keyword, passing AUT the data for that line.</a:t>
             </a:r>
             <a:r>
               <a:rPr lang="ru-RU" sz="1200" dirty="0" smtClean="0"/>
@@ -7844,7 +7688,6 @@
               <a:rPr lang="en-US" sz="1200" dirty="0" smtClean="0"/>
               <a:t>But, development of automation code is still AUT specific.</a:t>
             </a:r>
-            <a:endParaRPr lang="en-US" sz="1200" dirty="0" smtClean="0"/>
           </a:p>
           <a:p>
             <a:pPr lvl="1">
@@ -7853,11 +7696,7 @@
             </a:pPr>
             <a:r>
               <a:rPr lang="en-US" sz="1200" b="1" dirty="0" smtClean="0"/>
-              <a:t>UI Object Map </a:t>
-            </a:r>
-            <a:r>
-              <a:rPr lang="en-US" sz="1200" b="1" dirty="0" smtClean="0"/>
-              <a:t>Based</a:t>
+              <a:t>UI Object Map Based</a:t>
             </a:r>
             <a:endParaRPr lang="ru-RU" sz="1200" b="1" dirty="0" smtClean="0"/>
           </a:p>
@@ -7881,7 +7720,7 @@
     </p:spTree>
     <p:extLst>
       <p:ext uri="{BB962C8B-B14F-4D97-AF65-F5344CB8AC3E}">
-        <p14:creationId xmlns="" xmlns:p14="http://schemas.microsoft.com/office/powerpoint/2010/main" val="4060775951"/>
+        <p14:creationId xmlns:p14="http://schemas.microsoft.com/office/powerpoint/2010/main" xmlns="" val="4060775951"/>
       </p:ext>
     </p:extLst>
   </p:cSld>
@@ -7889,7 +7728,7 @@
     <a:masterClrMapping/>
   </p:clrMapOvr>
   <mc:AlternateContent xmlns:mc="http://schemas.openxmlformats.org/markup-compatibility/2006">
-    <mc:Choice xmlns="" xmlns:p14="http://schemas.microsoft.com/office/powerpoint/2010/main" Requires="p14">
+    <mc:Choice xmlns:p14="http://schemas.microsoft.com/office/powerpoint/2010/main" xmlns="" Requires="p14">
       <p:transition spd="slow" p14:dur="2000"/>
     </mc:Choice>
     <mc:Fallback>
@@ -8021,23 +7860,13 @@
           <a:p>
             <a:r>
               <a:rPr lang="en-US" dirty="0" smtClean="0"/>
-              <a:t>There is a </a:t>
-            </a:r>
-            <a:r>
-              <a:rPr lang="en-US" dirty="0" smtClean="0"/>
-              <a:t>site </a:t>
+              <a:t>There is a site </a:t>
             </a:r>
             <a:r>
               <a:rPr lang="en-US" dirty="0" smtClean="0">
                 <a:hlinkClick r:id="rId3"/>
               </a:rPr>
-              <a:t>http://www.calculator888.ru</a:t>
-            </a:r>
-            <a:r>
-              <a:rPr lang="en-US" dirty="0" smtClean="0">
-                <a:hlinkClick r:id="rId3"/>
-              </a:rPr>
-              <a:t>/</a:t>
+              <a:t>http://www.calculator888.ru/</a:t>
             </a:r>
             <a:r>
               <a:rPr lang="en-US" dirty="0" smtClean="0"/>
@@ -8130,21 +7959,8 @@
             </a:r>
             <a:r>
               <a:rPr lang="en-US" dirty="0" smtClean="0"/>
-              <a:t> Language </a:t>
-            </a:r>
-            <a:r>
-              <a:rPr lang="en-US" dirty="0" smtClean="0"/>
-              <a:t>Bindings (C#) - </a:t>
-            </a:r>
-            <a:r>
-              <a:rPr lang="en-US" dirty="0" smtClean="0"/>
-              <a:t>language-specific client </a:t>
-            </a:r>
-            <a:r>
-              <a:rPr lang="en-US" dirty="0" smtClean="0"/>
-              <a:t>driver</a:t>
-            </a:r>
-            <a:endParaRPr lang="en-US" dirty="0" smtClean="0"/>
+              <a:t> Language Bindings (C#) - language-specific client driver</a:t>
+            </a:r>
           </a:p>
           <a:p>
             <a:endParaRPr lang="en-US" dirty="0" smtClean="0"/>
@@ -8154,7 +7970,7 @@
     </p:spTree>
     <p:extLst>
       <p:ext uri="{BB962C8B-B14F-4D97-AF65-F5344CB8AC3E}">
-        <p14:creationId xmlns="" xmlns:p14="http://schemas.microsoft.com/office/powerpoint/2010/main" val="4060775951"/>
+        <p14:creationId xmlns:p14="http://schemas.microsoft.com/office/powerpoint/2010/main" xmlns="" val="4060775951"/>
       </p:ext>
     </p:extLst>
   </p:cSld>
@@ -8162,7 +7978,7 @@
     <a:masterClrMapping/>
   </p:clrMapOvr>
   <mc:AlternateContent xmlns:mc="http://schemas.openxmlformats.org/markup-compatibility/2006">
-    <mc:Choice xmlns="" xmlns:p14="http://schemas.microsoft.com/office/powerpoint/2010/main" Requires="p14">
+    <mc:Choice xmlns:p14="http://schemas.microsoft.com/office/powerpoint/2010/main" xmlns="" Requires="p14">
       <p:transition spd="slow" p14:dur="2000"/>
     </mc:Choice>
     <mc:Fallback>
@@ -8208,7 +8024,7 @@
           <a:blip r:embed="rId3" cstate="print">
             <a:extLst>
               <a:ext uri="{28A0092B-C50C-407E-A947-70E740481C1C}">
-                <a14:useLocalDpi xmlns="" xmlns:a14="http://schemas.microsoft.com/office/drawing/2010/main" val="0"/>
+                <a14:useLocalDpi xmlns:a14="http://schemas.microsoft.com/office/drawing/2010/main" xmlns="" val="0"/>
               </a:ext>
             </a:extLst>
           </a:blip>
@@ -8228,7 +8044,7 @@
           <a:noFill/>
           <a:extLst>
             <a:ext uri="{909E8E84-426E-40DD-AFC4-6F175D3DCCD1}">
-              <a14:hiddenFill xmlns="" xmlns:a14="http://schemas.microsoft.com/office/drawing/2010/main">
+              <a14:hiddenFill xmlns:a14="http://schemas.microsoft.com/office/drawing/2010/main" xmlns="">
                 <a:solidFill>
                   <a:srgbClr val="FFFFFF"/>
                 </a:solidFill>
@@ -8329,7 +8145,6 @@
               <a:rPr lang="en-US" b="1" dirty="0" smtClean="0"/>
               <a:t>It will be good if you use knowledge about specification-based test designing when creating API and UI tests.</a:t>
             </a:r>
-            <a:endParaRPr lang="en-US" b="1" dirty="0" smtClean="0"/>
           </a:p>
           <a:p>
             <a:endParaRPr lang="en-US" b="1" dirty="0" smtClean="0"/>
@@ -8359,15 +8174,7 @@
           <a:p>
             <a:r>
               <a:rPr lang="en-US" i="1" dirty="0" smtClean="0"/>
-              <a:t>Answers </a:t>
-            </a:r>
-            <a:r>
-              <a:rPr lang="en-US" i="1" dirty="0" smtClean="0"/>
-              <a:t>send </a:t>
-            </a:r>
-            <a:r>
-              <a:rPr lang="en-US" i="1" dirty="0" smtClean="0"/>
-              <a:t>to </a:t>
+              <a:t>Answers send to </a:t>
             </a:r>
             <a:r>
               <a:rPr lang="en-US" i="1" dirty="0" smtClean="0">
@@ -8386,7 +8193,7 @@
     </p:spTree>
     <p:extLst>
       <p:ext uri="{BB962C8B-B14F-4D97-AF65-F5344CB8AC3E}">
-        <p14:creationId xmlns="" xmlns:p14="http://schemas.microsoft.com/office/powerpoint/2010/main" val="3400026356"/>
+        <p14:creationId xmlns:p14="http://schemas.microsoft.com/office/powerpoint/2010/main" xmlns="" val="3400026356"/>
       </p:ext>
     </p:extLst>
   </p:cSld>

--- a/inna/Занятие7/Занятие 7.pptx
+++ b/inna/Занятие7/Занятие 7.pptx
@@ -116,7 +116,7 @@
   </p:defaultTextStyle>
   <p:extLst>
     <p:ext uri="{EFAFB233-063F-42B5-8137-9DF3F51BA10A}">
-      <p15:sldGuideLst xmlns:p15="http://schemas.microsoft.com/office/powerpoint/2012/main" xmlns="">
+      <p15:sldGuideLst xmlns="" xmlns:p15="http://schemas.microsoft.com/office/powerpoint/2012/main">
         <p15:guide id="1" orient="horz" pos="2160">
           <p15:clr>
             <a:srgbClr val="A4A3A4"/>
@@ -216,7 +216,7 @@
             <a:fld id="{7FCDCAFE-ED6D-40DE-BB2A-6C2FAE0E1B23}" type="datetimeFigureOut">
               <a:rPr lang="en-US" smtClean="0"/>
               <a:pPr/>
-              <a:t>05-Feb-15</a:t>
+              <a:t>26-Feb-15</a:t>
             </a:fld>
             <a:endParaRPr lang="en-US"/>
           </a:p>
@@ -385,7 +385,7 @@
     </p:spTree>
     <p:extLst>
       <p:ext uri="{BB962C8B-B14F-4D97-AF65-F5344CB8AC3E}">
-        <p14:creationId xmlns:p14="http://schemas.microsoft.com/office/powerpoint/2010/main" xmlns="" val="616035265"/>
+        <p14:creationId xmlns="" xmlns:p14="http://schemas.microsoft.com/office/powerpoint/2010/main" val="616035265"/>
       </p:ext>
     </p:extLst>
   </p:cSld>
@@ -2785,7 +2785,43 @@
             </a:r>
             <a:r>
               <a:rPr lang="en-US" baseline="0" dirty="0" smtClean="0"/>
-              <a:t>Selenium IDE</a:t>
+              <a:t>Selenium </a:t>
+            </a:r>
+            <a:r>
+              <a:rPr lang="en-US" baseline="0" dirty="0" smtClean="0"/>
+              <a:t>IDE (</a:t>
+            </a:r>
+            <a:r>
+              <a:rPr lang="ru-RU" baseline="0" dirty="0" smtClean="0"/>
+              <a:t>убедитесь, что в </a:t>
+            </a:r>
+            <a:r>
+              <a:rPr lang="en-US" baseline="0" dirty="0" smtClean="0"/>
+              <a:t>Options </a:t>
+            </a:r>
+            <a:r>
+              <a:rPr lang="ru-RU" baseline="0" dirty="0" smtClean="0"/>
+              <a:t>выбран </a:t>
+            </a:r>
+            <a:r>
+              <a:rPr lang="ru-RU" baseline="0" dirty="0" err="1" smtClean="0"/>
+              <a:t>чекбокс</a:t>
+            </a:r>
+            <a:r>
+              <a:rPr lang="ru-RU" baseline="0" dirty="0" smtClean="0"/>
+              <a:t> </a:t>
+            </a:r>
+            <a:r>
+              <a:rPr lang="en-US" baseline="0" dirty="0" smtClean="0"/>
+              <a:t>Enable </a:t>
+            </a:r>
+            <a:r>
+              <a:rPr lang="en-US" baseline="0" dirty="0" err="1" smtClean="0"/>
+              <a:t>expiremental</a:t>
+            </a:r>
+            <a:r>
+              <a:rPr lang="en-US" baseline="0" dirty="0" smtClean="0"/>
+              <a:t> features)</a:t>
             </a:r>
             <a:r>
               <a:rPr lang="ru-RU" baseline="0" dirty="0" smtClean="0"/>
@@ -3078,12 +3114,8 @@
           </a:p>
           <a:p>
             <a:r>
-              <a:rPr lang="ru-RU" baseline="0" smtClean="0"/>
-              <a:t>14) </a:t>
-            </a:r>
-            <a:r>
-              <a:rPr lang="ru-RU" baseline="0" dirty="0" smtClean="0"/>
-              <a:t>Запустить тест </a:t>
+              <a:rPr lang="ru-RU" baseline="0" dirty="0" smtClean="0"/>
+              <a:t>14) Запустить тест </a:t>
             </a:r>
             <a:r>
               <a:rPr lang="en-US" baseline="0" dirty="0" smtClean="0"/>
@@ -3627,7 +3659,7 @@
             <a:fld id="{1D8BD707-D9CF-40AE-B4C6-C98DA3205C09}" type="datetimeFigureOut">
               <a:rPr lang="en-US" smtClean="0"/>
               <a:pPr/>
-              <a:t>05-Feb-15</a:t>
+              <a:t>26-Feb-15</a:t>
             </a:fld>
             <a:endParaRPr lang="en-US"/>
           </a:p>
@@ -3794,7 +3826,7 @@
             <a:fld id="{1D8BD707-D9CF-40AE-B4C6-C98DA3205C09}" type="datetimeFigureOut">
               <a:rPr lang="en-US" smtClean="0"/>
               <a:pPr/>
-              <a:t>05-Feb-15</a:t>
+              <a:t>26-Feb-15</a:t>
             </a:fld>
             <a:endParaRPr lang="en-US"/>
           </a:p>
@@ -3971,7 +4003,7 @@
             <a:fld id="{1D8BD707-D9CF-40AE-B4C6-C98DA3205C09}" type="datetimeFigureOut">
               <a:rPr lang="en-US" smtClean="0"/>
               <a:pPr/>
-              <a:t>05-Feb-15</a:t>
+              <a:t>26-Feb-15</a:t>
             </a:fld>
             <a:endParaRPr lang="en-US"/>
           </a:p>
@@ -4138,7 +4170,7 @@
             <a:fld id="{1D8BD707-D9CF-40AE-B4C6-C98DA3205C09}" type="datetimeFigureOut">
               <a:rPr lang="en-US" smtClean="0"/>
               <a:pPr/>
-              <a:t>05-Feb-15</a:t>
+              <a:t>26-Feb-15</a:t>
             </a:fld>
             <a:endParaRPr lang="en-US"/>
           </a:p>
@@ -4381,7 +4413,7 @@
             <a:fld id="{1D8BD707-D9CF-40AE-B4C6-C98DA3205C09}" type="datetimeFigureOut">
               <a:rPr lang="en-US" smtClean="0"/>
               <a:pPr/>
-              <a:t>05-Feb-15</a:t>
+              <a:t>26-Feb-15</a:t>
             </a:fld>
             <a:endParaRPr lang="en-US"/>
           </a:p>
@@ -4666,7 +4698,7 @@
             <a:fld id="{1D8BD707-D9CF-40AE-B4C6-C98DA3205C09}" type="datetimeFigureOut">
               <a:rPr lang="en-US" smtClean="0"/>
               <a:pPr/>
-              <a:t>05-Feb-15</a:t>
+              <a:t>26-Feb-15</a:t>
             </a:fld>
             <a:endParaRPr lang="en-US"/>
           </a:p>
@@ -5085,7 +5117,7 @@
             <a:fld id="{1D8BD707-D9CF-40AE-B4C6-C98DA3205C09}" type="datetimeFigureOut">
               <a:rPr lang="en-US" smtClean="0"/>
               <a:pPr/>
-              <a:t>05-Feb-15</a:t>
+              <a:t>26-Feb-15</a:t>
             </a:fld>
             <a:endParaRPr lang="en-US"/>
           </a:p>
@@ -5200,7 +5232,7 @@
             <a:fld id="{1D8BD707-D9CF-40AE-B4C6-C98DA3205C09}" type="datetimeFigureOut">
               <a:rPr lang="en-US" smtClean="0"/>
               <a:pPr/>
-              <a:t>05-Feb-15</a:t>
+              <a:t>26-Feb-15</a:t>
             </a:fld>
             <a:endParaRPr lang="en-US"/>
           </a:p>
@@ -5292,7 +5324,7 @@
             <a:fld id="{1D8BD707-D9CF-40AE-B4C6-C98DA3205C09}" type="datetimeFigureOut">
               <a:rPr lang="en-US" smtClean="0"/>
               <a:pPr/>
-              <a:t>05-Feb-15</a:t>
+              <a:t>26-Feb-15</a:t>
             </a:fld>
             <a:endParaRPr lang="en-US"/>
           </a:p>
@@ -5566,7 +5598,7 @@
             <a:fld id="{1D8BD707-D9CF-40AE-B4C6-C98DA3205C09}" type="datetimeFigureOut">
               <a:rPr lang="en-US" smtClean="0"/>
               <a:pPr/>
-              <a:t>05-Feb-15</a:t>
+              <a:t>26-Feb-15</a:t>
             </a:fld>
             <a:endParaRPr lang="en-US"/>
           </a:p>
@@ -5816,7 +5848,7 @@
             <a:fld id="{1D8BD707-D9CF-40AE-B4C6-C98DA3205C09}" type="datetimeFigureOut">
               <a:rPr lang="en-US" smtClean="0"/>
               <a:pPr/>
-              <a:t>05-Feb-15</a:t>
+              <a:t>26-Feb-15</a:t>
             </a:fld>
             <a:endParaRPr lang="en-US"/>
           </a:p>
@@ -6035,7 +6067,7 @@
             <a:fld id="{1D8BD707-D9CF-40AE-B4C6-C98DA3205C09}" type="datetimeFigureOut">
               <a:rPr lang="en-US" smtClean="0"/>
               <a:pPr/>
-              <a:t>05-Feb-15</a:t>
+              <a:t>26-Feb-15</a:t>
             </a:fld>
             <a:endParaRPr lang="en-US"/>
           </a:p>
@@ -6526,7 +6558,7 @@
     </p:spTree>
     <p:extLst>
       <p:ext uri="{BB962C8B-B14F-4D97-AF65-F5344CB8AC3E}">
-        <p14:creationId xmlns:p14="http://schemas.microsoft.com/office/powerpoint/2010/main" xmlns="" val="1766645597"/>
+        <p14:creationId xmlns="" xmlns:p14="http://schemas.microsoft.com/office/powerpoint/2010/main" val="1766645597"/>
       </p:ext>
     </p:extLst>
   </p:cSld>
@@ -6706,7 +6738,7 @@
     </p:spTree>
     <p:extLst>
       <p:ext uri="{BB962C8B-B14F-4D97-AF65-F5344CB8AC3E}">
-        <p14:creationId xmlns:p14="http://schemas.microsoft.com/office/powerpoint/2010/main" xmlns="" val="3292176594"/>
+        <p14:creationId xmlns="" xmlns:p14="http://schemas.microsoft.com/office/powerpoint/2010/main" val="3292176594"/>
       </p:ext>
     </p:extLst>
   </p:cSld>
@@ -6960,7 +6992,7 @@
     </p:spTree>
     <p:extLst>
       <p:ext uri="{BB962C8B-B14F-4D97-AF65-F5344CB8AC3E}">
-        <p14:creationId xmlns:p14="http://schemas.microsoft.com/office/powerpoint/2010/main" xmlns="" val="4060775951"/>
+        <p14:creationId xmlns="" xmlns:p14="http://schemas.microsoft.com/office/powerpoint/2010/main" val="4060775951"/>
       </p:ext>
     </p:extLst>
   </p:cSld>
@@ -6968,7 +7000,7 @@
     <a:masterClrMapping/>
   </p:clrMapOvr>
   <mc:AlternateContent xmlns:mc="http://schemas.openxmlformats.org/markup-compatibility/2006">
-    <mc:Choice xmlns:p14="http://schemas.microsoft.com/office/powerpoint/2010/main" xmlns="" Requires="p14">
+    <mc:Choice xmlns="" xmlns:p14="http://schemas.microsoft.com/office/powerpoint/2010/main" Requires="p14">
       <p:transition spd="slow" p14:dur="2000"/>
     </mc:Choice>
     <mc:Fallback>
@@ -7212,7 +7244,7 @@
     </p:spTree>
     <p:extLst>
       <p:ext uri="{BB962C8B-B14F-4D97-AF65-F5344CB8AC3E}">
-        <p14:creationId xmlns:p14="http://schemas.microsoft.com/office/powerpoint/2010/main" xmlns="" val="4060775951"/>
+        <p14:creationId xmlns="" xmlns:p14="http://schemas.microsoft.com/office/powerpoint/2010/main" val="4060775951"/>
       </p:ext>
     </p:extLst>
   </p:cSld>
@@ -7220,7 +7252,7 @@
     <a:masterClrMapping/>
   </p:clrMapOvr>
   <mc:AlternateContent xmlns:mc="http://schemas.openxmlformats.org/markup-compatibility/2006">
-    <mc:Choice xmlns:p14="http://schemas.microsoft.com/office/powerpoint/2010/main" xmlns="" Requires="p14">
+    <mc:Choice xmlns="" xmlns:p14="http://schemas.microsoft.com/office/powerpoint/2010/main" Requires="p14">
       <p:transition spd="slow" p14:dur="2000"/>
     </mc:Choice>
     <mc:Fallback>
@@ -7488,7 +7520,7 @@
     </p:spTree>
     <p:extLst>
       <p:ext uri="{BB962C8B-B14F-4D97-AF65-F5344CB8AC3E}">
-        <p14:creationId xmlns:p14="http://schemas.microsoft.com/office/powerpoint/2010/main" xmlns="" val="4060775951"/>
+        <p14:creationId xmlns="" xmlns:p14="http://schemas.microsoft.com/office/powerpoint/2010/main" val="4060775951"/>
       </p:ext>
     </p:extLst>
   </p:cSld>
@@ -7496,7 +7528,7 @@
     <a:masterClrMapping/>
   </p:clrMapOvr>
   <mc:AlternateContent xmlns:mc="http://schemas.openxmlformats.org/markup-compatibility/2006">
-    <mc:Choice xmlns:p14="http://schemas.microsoft.com/office/powerpoint/2010/main" xmlns="" Requires="p14">
+    <mc:Choice xmlns="" xmlns:p14="http://schemas.microsoft.com/office/powerpoint/2010/main" Requires="p14">
       <p:transition spd="slow" p14:dur="2000"/>
     </mc:Choice>
     <mc:Fallback>
@@ -7720,7 +7752,7 @@
     </p:spTree>
     <p:extLst>
       <p:ext uri="{BB962C8B-B14F-4D97-AF65-F5344CB8AC3E}">
-        <p14:creationId xmlns:p14="http://schemas.microsoft.com/office/powerpoint/2010/main" xmlns="" val="4060775951"/>
+        <p14:creationId xmlns="" xmlns:p14="http://schemas.microsoft.com/office/powerpoint/2010/main" val="4060775951"/>
       </p:ext>
     </p:extLst>
   </p:cSld>
@@ -7728,7 +7760,7 @@
     <a:masterClrMapping/>
   </p:clrMapOvr>
   <mc:AlternateContent xmlns:mc="http://schemas.openxmlformats.org/markup-compatibility/2006">
-    <mc:Choice xmlns:p14="http://schemas.microsoft.com/office/powerpoint/2010/main" xmlns="" Requires="p14">
+    <mc:Choice xmlns="" xmlns:p14="http://schemas.microsoft.com/office/powerpoint/2010/main" Requires="p14">
       <p:transition spd="slow" p14:dur="2000"/>
     </mc:Choice>
     <mc:Fallback>
@@ -7970,7 +8002,7 @@
     </p:spTree>
     <p:extLst>
       <p:ext uri="{BB962C8B-B14F-4D97-AF65-F5344CB8AC3E}">
-        <p14:creationId xmlns:p14="http://schemas.microsoft.com/office/powerpoint/2010/main" xmlns="" val="4060775951"/>
+        <p14:creationId xmlns="" xmlns:p14="http://schemas.microsoft.com/office/powerpoint/2010/main" val="4060775951"/>
       </p:ext>
     </p:extLst>
   </p:cSld>
@@ -7978,7 +8010,7 @@
     <a:masterClrMapping/>
   </p:clrMapOvr>
   <mc:AlternateContent xmlns:mc="http://schemas.openxmlformats.org/markup-compatibility/2006">
-    <mc:Choice xmlns:p14="http://schemas.microsoft.com/office/powerpoint/2010/main" xmlns="" Requires="p14">
+    <mc:Choice xmlns="" xmlns:p14="http://schemas.microsoft.com/office/powerpoint/2010/main" Requires="p14">
       <p:transition spd="slow" p14:dur="2000"/>
     </mc:Choice>
     <mc:Fallback>
@@ -8024,7 +8056,7 @@
           <a:blip r:embed="rId3" cstate="print">
             <a:extLst>
               <a:ext uri="{28A0092B-C50C-407E-A947-70E740481C1C}">
-                <a14:useLocalDpi xmlns:a14="http://schemas.microsoft.com/office/drawing/2010/main" xmlns="" val="0"/>
+                <a14:useLocalDpi xmlns="" xmlns:a14="http://schemas.microsoft.com/office/drawing/2010/main" val="0"/>
               </a:ext>
             </a:extLst>
           </a:blip>
@@ -8044,7 +8076,7 @@
           <a:noFill/>
           <a:extLst>
             <a:ext uri="{909E8E84-426E-40DD-AFC4-6F175D3DCCD1}">
-              <a14:hiddenFill xmlns:a14="http://schemas.microsoft.com/office/drawing/2010/main" xmlns="">
+              <a14:hiddenFill xmlns="" xmlns:a14="http://schemas.microsoft.com/office/drawing/2010/main">
                 <a:solidFill>
                   <a:srgbClr val="FFFFFF"/>
                 </a:solidFill>
@@ -8193,7 +8225,7 @@
     </p:spTree>
     <p:extLst>
       <p:ext uri="{BB962C8B-B14F-4D97-AF65-F5344CB8AC3E}">
-        <p14:creationId xmlns:p14="http://schemas.microsoft.com/office/powerpoint/2010/main" xmlns="" val="3400026356"/>
+        <p14:creationId xmlns="" xmlns:p14="http://schemas.microsoft.com/office/powerpoint/2010/main" val="3400026356"/>
       </p:ext>
     </p:extLst>
   </p:cSld>
